--- a/module5/SRWE_Module_12_talking points.pptx
+++ b/module5/SRWE_Module_12_talking points.pptx
@@ -5,7 +5,7 @@
     <p:sldMasterId id="2147483700" r:id="rId1"/>
   </p:sldMasterIdLst>
   <p:notesMasterIdLst>
-    <p:notesMasterId r:id="rId54"/>
+    <p:notesMasterId r:id="rId53"/>
   </p:notesMasterIdLst>
   <p:sldIdLst>
     <p:sldId id="876" r:id="rId2"/>
@@ -56,15 +56,14 @@
     <p:sldId id="1145" r:id="rId47"/>
     <p:sldId id="1146" r:id="rId48"/>
     <p:sldId id="1147" r:id="rId49"/>
-    <p:sldId id="1104" r:id="rId50"/>
-    <p:sldId id="958" r:id="rId51"/>
-    <p:sldId id="874" r:id="rId52"/>
-    <p:sldId id="291" r:id="rId53"/>
+    <p:sldId id="958" r:id="rId50"/>
+    <p:sldId id="874" r:id="rId51"/>
+    <p:sldId id="291" r:id="rId52"/>
   </p:sldIdLst>
   <p:sldSz cx="9144000" cy="5143500" type="screen16x9"/>
   <p:notesSz cx="6858000" cy="9144000"/>
   <p:custDataLst>
-    <p:tags r:id="rId55"/>
+    <p:tags r:id="rId54"/>
   </p:custDataLst>
   <p:defaultTextStyle>
     <a:defPPr>
@@ -5672,34 +5671,231 @@
       </p:grpSpPr>
       <p:sp>
         <p:nvSpPr>
-          <p:cNvPr id="2" name="Slide Image Placeholder 1"/>
+          <p:cNvPr id="22529" name="Rectangle 11"/>
           <p:cNvSpPr>
-            <a:spLocks noGrp="1" noRot="1" noChangeAspect="1"/>
+            <a:spLocks noGrp="1" noChangeArrowheads="1"/>
+          </p:cNvSpPr>
+          <p:nvPr>
+            <p:ph type="sldNum" sz="quarter" idx="5"/>
+          </p:nvPr>
+        </p:nvSpPr>
+        <p:spPr>
+          <a:noFill/>
+          <a:ln/>
+          <a:extLst>
+            <a:ext uri="{909E8E84-426E-40DD-AFC4-6F175D3DCCD1}">
+              <a14:hiddenFill xmlns:a14="http://schemas.microsoft.com/office/drawing/2010/main">
+                <a:solidFill>
+                  <a:srgbClr val="FFFFFF"/>
+                </a:solidFill>
+              </a14:hiddenFill>
+            </a:ext>
+            <a:ext uri="{91240B29-F687-4F45-9708-019B960494DF}">
+              <a14:hiddenLine xmlns:a14="http://schemas.microsoft.com/office/drawing/2010/main" w="9525">
+                <a:solidFill>
+                  <a:srgbClr val="000000"/>
+                </a:solidFill>
+                <a:miter lim="800000"/>
+                <a:headEnd/>
+                <a:tailEnd/>
+              </a14:hiddenLine>
+            </a:ext>
+          </a:extLst>
+        </p:spPr>
+        <p:txBody>
+          <a:bodyPr/>
+          <a:lstStyle>
+            <a:lvl1pPr defTabSz="903288">
+              <a:defRPr sz="2400">
+                <a:solidFill>
+                  <a:schemeClr val="tx1"/>
+                </a:solidFill>
+                <a:latin typeface="Arial" charset="0"/>
+                <a:ea typeface="ＭＳ Ｐゴシック" charset="0"/>
+                <a:cs typeface="ＭＳ Ｐゴシック" charset="0"/>
+              </a:defRPr>
+            </a:lvl1pPr>
+            <a:lvl2pPr marL="742950" indent="-285750" defTabSz="903288">
+              <a:defRPr sz="2400">
+                <a:solidFill>
+                  <a:schemeClr val="tx1"/>
+                </a:solidFill>
+                <a:latin typeface="Arial" charset="0"/>
+                <a:ea typeface="ＭＳ Ｐゴシック" charset="0"/>
+              </a:defRPr>
+            </a:lvl2pPr>
+            <a:lvl3pPr marL="1143000" indent="-228600" defTabSz="903288">
+              <a:defRPr sz="2400">
+                <a:solidFill>
+                  <a:schemeClr val="tx1"/>
+                </a:solidFill>
+                <a:latin typeface="Arial" charset="0"/>
+                <a:ea typeface="ＭＳ Ｐゴシック" charset="0"/>
+              </a:defRPr>
+            </a:lvl3pPr>
+            <a:lvl4pPr marL="1600200" indent="-228600" defTabSz="903288">
+              <a:defRPr sz="2400">
+                <a:solidFill>
+                  <a:schemeClr val="tx1"/>
+                </a:solidFill>
+                <a:latin typeface="Arial" charset="0"/>
+                <a:ea typeface="ＭＳ Ｐゴシック" charset="0"/>
+              </a:defRPr>
+            </a:lvl4pPr>
+            <a:lvl5pPr marL="2057400" indent="-228600" defTabSz="903288">
+              <a:defRPr sz="2400">
+                <a:solidFill>
+                  <a:schemeClr val="tx1"/>
+                </a:solidFill>
+                <a:latin typeface="Arial" charset="0"/>
+                <a:ea typeface="ＭＳ Ｐゴシック" charset="0"/>
+              </a:defRPr>
+            </a:lvl5pPr>
+            <a:lvl6pPr marL="2514600" indent="-228600" algn="ctr" defTabSz="903288" eaLnBrk="0" fontAlgn="base" hangingPunct="0">
+              <a:lnSpc>
+                <a:spcPct val="90000"/>
+              </a:lnSpc>
+              <a:spcBef>
+                <a:spcPct val="0"/>
+              </a:spcBef>
+              <a:spcAft>
+                <a:spcPct val="0"/>
+              </a:spcAft>
+              <a:defRPr sz="2400">
+                <a:solidFill>
+                  <a:schemeClr val="tx1"/>
+                </a:solidFill>
+                <a:latin typeface="Arial" charset="0"/>
+                <a:ea typeface="ＭＳ Ｐゴシック" charset="0"/>
+              </a:defRPr>
+            </a:lvl6pPr>
+            <a:lvl7pPr marL="2971800" indent="-228600" algn="ctr" defTabSz="903288" eaLnBrk="0" fontAlgn="base" hangingPunct="0">
+              <a:lnSpc>
+                <a:spcPct val="90000"/>
+              </a:lnSpc>
+              <a:spcBef>
+                <a:spcPct val="0"/>
+              </a:spcBef>
+              <a:spcAft>
+                <a:spcPct val="0"/>
+              </a:spcAft>
+              <a:defRPr sz="2400">
+                <a:solidFill>
+                  <a:schemeClr val="tx1"/>
+                </a:solidFill>
+                <a:latin typeface="Arial" charset="0"/>
+                <a:ea typeface="ＭＳ Ｐゴシック" charset="0"/>
+              </a:defRPr>
+            </a:lvl7pPr>
+            <a:lvl8pPr marL="3429000" indent="-228600" algn="ctr" defTabSz="903288" eaLnBrk="0" fontAlgn="base" hangingPunct="0">
+              <a:lnSpc>
+                <a:spcPct val="90000"/>
+              </a:lnSpc>
+              <a:spcBef>
+                <a:spcPct val="0"/>
+              </a:spcBef>
+              <a:spcAft>
+                <a:spcPct val="0"/>
+              </a:spcAft>
+              <a:defRPr sz="2400">
+                <a:solidFill>
+                  <a:schemeClr val="tx1"/>
+                </a:solidFill>
+                <a:latin typeface="Arial" charset="0"/>
+                <a:ea typeface="ＭＳ Ｐゴシック" charset="0"/>
+              </a:defRPr>
+            </a:lvl8pPr>
+            <a:lvl9pPr marL="3886200" indent="-228600" algn="ctr" defTabSz="903288" eaLnBrk="0" fontAlgn="base" hangingPunct="0">
+              <a:lnSpc>
+                <a:spcPct val="90000"/>
+              </a:lnSpc>
+              <a:spcBef>
+                <a:spcPct val="0"/>
+              </a:spcBef>
+              <a:spcAft>
+                <a:spcPct val="0"/>
+              </a:spcAft>
+              <a:defRPr sz="2400">
+                <a:solidFill>
+                  <a:schemeClr val="tx1"/>
+                </a:solidFill>
+                <a:latin typeface="Arial" charset="0"/>
+                <a:ea typeface="ＭＳ Ｐゴシック" charset="0"/>
+              </a:defRPr>
+            </a:lvl9pPr>
+          </a:lstStyle>
+          <a:p>
+            <a:fld id="{3997A419-355F-A04A-96E0-21643AF8E9FF}" type="slidenum">
+              <a:rPr lang="en-US" sz="800">
+                <a:solidFill>
+                  <a:prstClr val="black"/>
+                </a:solidFill>
+              </a:rPr>
+              <a:pPr/>
+              <a:t>49</a:t>
+            </a:fld>
+            <a:endParaRPr lang="en-US" sz="800" dirty="0">
+              <a:solidFill>
+                <a:prstClr val="black"/>
+              </a:solidFill>
+            </a:endParaRPr>
+          </a:p>
+        </p:txBody>
+      </p:sp>
+      <p:sp>
+        <p:nvSpPr>
+          <p:cNvPr id="22530" name="Rectangle 2"/>
+          <p:cNvSpPr>
+            <a:spLocks noGrp="1" noRot="1" noChangeAspect="1" noChangeArrowheads="1" noTextEdit="1"/>
           </p:cNvSpPr>
           <p:nvPr>
             <p:ph type="sldImg"/>
           </p:nvPr>
         </p:nvSpPr>
-        <p:spPr/>
+        <p:spPr>
+          <a:ln/>
+        </p:spPr>
       </p:sp>
       <p:sp>
         <p:nvSpPr>
-          <p:cNvPr id="3" name="Notes Placeholder 2"/>
+          <p:cNvPr id="22531" name="Rectangle 3"/>
           <p:cNvSpPr>
-            <a:spLocks noGrp="1"/>
+            <a:spLocks noGrp="1" noChangeArrowheads="1"/>
           </p:cNvSpPr>
           <p:nvPr>
             <p:ph type="body" idx="1"/>
           </p:nvPr>
         </p:nvSpPr>
-        <p:spPr/>
+        <p:spPr>
+          <a:noFill/>
+          <a:ln/>
+          <a:extLst>
+            <a:ext uri="{909E8E84-426E-40DD-AFC4-6F175D3DCCD1}">
+              <a14:hiddenFill xmlns:a14="http://schemas.microsoft.com/office/drawing/2010/main">
+                <a:solidFill>
+                  <a:srgbClr val="FFFFFF"/>
+                </a:solidFill>
+              </a14:hiddenFill>
+            </a:ext>
+            <a:ext uri="{91240B29-F687-4F45-9708-019B960494DF}">
+              <a14:hiddenLine xmlns:a14="http://schemas.microsoft.com/office/drawing/2010/main" w="9525">
+                <a:solidFill>
+                  <a:srgbClr val="000000"/>
+                </a:solidFill>
+                <a:miter lim="800000"/>
+                <a:headEnd/>
+                <a:tailEnd/>
+              </a14:hiddenLine>
+            </a:ext>
+          </a:extLst>
+        </p:spPr>
         <p:txBody>
           <a:bodyPr/>
           <a:lstStyle/>
           <a:p>
             <a:r>
               <a:rPr lang="en-US" dirty="0"/>
-              <a:t>12 - WLAN Concepts</a:t>
+              <a:t>12 – WLAN Concepts</a:t>
             </a:r>
           </a:p>
           <a:p>
@@ -5709,41 +5905,23 @@
             </a:r>
           </a:p>
           <a:p>
-            <a:pPr>
-              <a:buFontTx/>
-              <a:buNone/>
-            </a:pPr>
-            <a:endParaRPr lang="en-US" dirty="0"/>
-          </a:p>
-        </p:txBody>
-      </p:sp>
-      <p:sp>
-        <p:nvSpPr>
-          <p:cNvPr id="4" name="Slide Number Placeholder 3"/>
-          <p:cNvSpPr>
-            <a:spLocks noGrp="1"/>
-          </p:cNvSpPr>
-          <p:nvPr>
-            <p:ph type="sldNum" sz="quarter" idx="10"/>
-          </p:nvPr>
-        </p:nvSpPr>
-        <p:spPr/>
-        <p:txBody>
-          <a:bodyPr/>
-          <a:lstStyle/>
-          <a:p>
-            <a:fld id="{5641018C-6CAF-B84E-B92C-ECB119457FBA}" type="slidenum">
-              <a:rPr lang="en-US" smtClean="0"/>
-              <a:t>49</a:t>
-            </a:fld>
-            <a:endParaRPr lang="en-US" dirty="0"/>
+            <a:r>
+              <a:rPr lang="en-US" dirty="0"/>
+              <a:t>12.8.1 – What did I learn in this module?</a:t>
+            </a:r>
+          </a:p>
+          <a:p>
+            <a:r>
+              <a:rPr lang="en-US" dirty="0"/>
+              <a:t>12.8.2 – Module Quiz – WLAN Concepts</a:t>
+            </a:r>
           </a:p>
         </p:txBody>
       </p:sp>
     </p:spTree>
     <p:extLst>
       <p:ext uri="{BB962C8B-B14F-4D97-AF65-F5344CB8AC3E}">
-        <p14:creationId xmlns:p14="http://schemas.microsoft.com/office/powerpoint/2010/main" val="1892266579"/>
+        <p14:creationId xmlns:p14="http://schemas.microsoft.com/office/powerpoint/2010/main" val="1476824193"/>
       </p:ext>
     </p:extLst>
   </p:cSld>
@@ -5871,7 +6049,7 @@
       </p:grpSpPr>
       <p:sp>
         <p:nvSpPr>
-          <p:cNvPr id="22529" name="Rectangle 11"/>
+          <p:cNvPr id="57345" name="Rectangle 11"/>
           <p:cNvSpPr>
             <a:spLocks noGrp="1" noChangeArrowheads="1"/>
           </p:cNvSpPr>
@@ -6025,7 +6203,7 @@
             </a:lvl9pPr>
           </a:lstStyle>
           <a:p>
-            <a:fld id="{3997A419-355F-A04A-96E0-21643AF8E9FF}" type="slidenum">
+            <a:fld id="{6C92755B-29FD-8743-9094-C0E3A734D22E}" type="slidenum">
               <a:rPr lang="en-US" sz="800">
                 <a:solidFill>
                   <a:prstClr val="black"/>
@@ -6033,285 +6211,6 @@
               </a:rPr>
               <a:pPr/>
               <a:t>50</a:t>
-            </a:fld>
-            <a:endParaRPr lang="en-US" sz="800" dirty="0">
-              <a:solidFill>
-                <a:prstClr val="black"/>
-              </a:solidFill>
-            </a:endParaRPr>
-          </a:p>
-        </p:txBody>
-      </p:sp>
-      <p:sp>
-        <p:nvSpPr>
-          <p:cNvPr id="22530" name="Rectangle 2"/>
-          <p:cNvSpPr>
-            <a:spLocks noGrp="1" noRot="1" noChangeAspect="1" noChangeArrowheads="1" noTextEdit="1"/>
-          </p:cNvSpPr>
-          <p:nvPr>
-            <p:ph type="sldImg"/>
-          </p:nvPr>
-        </p:nvSpPr>
-        <p:spPr>
-          <a:ln/>
-        </p:spPr>
-      </p:sp>
-      <p:sp>
-        <p:nvSpPr>
-          <p:cNvPr id="22531" name="Rectangle 3"/>
-          <p:cNvSpPr>
-            <a:spLocks noGrp="1" noChangeArrowheads="1"/>
-          </p:cNvSpPr>
-          <p:nvPr>
-            <p:ph type="body" idx="1"/>
-          </p:nvPr>
-        </p:nvSpPr>
-        <p:spPr>
-          <a:noFill/>
-          <a:ln/>
-          <a:extLst>
-            <a:ext uri="{909E8E84-426E-40DD-AFC4-6F175D3DCCD1}">
-              <a14:hiddenFill xmlns:a14="http://schemas.microsoft.com/office/drawing/2010/main">
-                <a:solidFill>
-                  <a:srgbClr val="FFFFFF"/>
-                </a:solidFill>
-              </a14:hiddenFill>
-            </a:ext>
-            <a:ext uri="{91240B29-F687-4F45-9708-019B960494DF}">
-              <a14:hiddenLine xmlns:a14="http://schemas.microsoft.com/office/drawing/2010/main" w="9525">
-                <a:solidFill>
-                  <a:srgbClr val="000000"/>
-                </a:solidFill>
-                <a:miter lim="800000"/>
-                <a:headEnd/>
-                <a:tailEnd/>
-              </a14:hiddenLine>
-            </a:ext>
-          </a:extLst>
-        </p:spPr>
-        <p:txBody>
-          <a:bodyPr/>
-          <a:lstStyle/>
-          <a:p>
-            <a:r>
-              <a:rPr lang="en-US" dirty="0"/>
-              <a:t>12 – WLAN Concepts</a:t>
-            </a:r>
-          </a:p>
-          <a:p>
-            <a:r>
-              <a:rPr lang="en-US" dirty="0"/>
-              <a:t>12.8 – Module Practice and Quiz</a:t>
-            </a:r>
-          </a:p>
-          <a:p>
-            <a:r>
-              <a:rPr lang="en-US" dirty="0"/>
-              <a:t>12.8.1 – What did I learn in this module?</a:t>
-            </a:r>
-          </a:p>
-          <a:p>
-            <a:r>
-              <a:rPr lang="en-US" dirty="0"/>
-              <a:t>12.8.2 – Module Quiz – WLAN Concepts</a:t>
-            </a:r>
-          </a:p>
-        </p:txBody>
-      </p:sp>
-    </p:spTree>
-    <p:extLst>
-      <p:ext uri="{BB962C8B-B14F-4D97-AF65-F5344CB8AC3E}">
-        <p14:creationId xmlns:p14="http://schemas.microsoft.com/office/powerpoint/2010/main" val="1476824193"/>
-      </p:ext>
-    </p:extLst>
-  </p:cSld>
-  <p:clrMapOvr>
-    <a:masterClrMapping/>
-  </p:clrMapOvr>
-</p:notes>
-</file>
-
-<file path=ppt/notesSlides/notesSlide51.xml><?xml version="1.0" encoding="utf-8"?>
-<p:notes xmlns:a="http://schemas.openxmlformats.org/drawingml/2006/main" xmlns:r="http://schemas.openxmlformats.org/officeDocument/2006/relationships" xmlns:p="http://schemas.openxmlformats.org/presentationml/2006/main">
-  <p:cSld>
-    <p:spTree>
-      <p:nvGrpSpPr>
-        <p:cNvPr id="1" name=""/>
-        <p:cNvGrpSpPr/>
-        <p:nvPr/>
-      </p:nvGrpSpPr>
-      <p:grpSpPr>
-        <a:xfrm>
-          <a:off x="0" y="0"/>
-          <a:ext cx="0" cy="0"/>
-          <a:chOff x="0" y="0"/>
-          <a:chExt cx="0" cy="0"/>
-        </a:xfrm>
-      </p:grpSpPr>
-      <p:sp>
-        <p:nvSpPr>
-          <p:cNvPr id="57345" name="Rectangle 11"/>
-          <p:cNvSpPr>
-            <a:spLocks noGrp="1" noChangeArrowheads="1"/>
-          </p:cNvSpPr>
-          <p:nvPr>
-            <p:ph type="sldNum" sz="quarter" idx="5"/>
-          </p:nvPr>
-        </p:nvSpPr>
-        <p:spPr>
-          <a:noFill/>
-          <a:ln/>
-          <a:extLst>
-            <a:ext uri="{909E8E84-426E-40DD-AFC4-6F175D3DCCD1}">
-              <a14:hiddenFill xmlns:a14="http://schemas.microsoft.com/office/drawing/2010/main">
-                <a:solidFill>
-                  <a:srgbClr val="FFFFFF"/>
-                </a:solidFill>
-              </a14:hiddenFill>
-            </a:ext>
-            <a:ext uri="{91240B29-F687-4F45-9708-019B960494DF}">
-              <a14:hiddenLine xmlns:a14="http://schemas.microsoft.com/office/drawing/2010/main" w="9525">
-                <a:solidFill>
-                  <a:srgbClr val="000000"/>
-                </a:solidFill>
-                <a:miter lim="800000"/>
-                <a:headEnd/>
-                <a:tailEnd/>
-              </a14:hiddenLine>
-            </a:ext>
-          </a:extLst>
-        </p:spPr>
-        <p:txBody>
-          <a:bodyPr/>
-          <a:lstStyle>
-            <a:lvl1pPr defTabSz="903288">
-              <a:defRPr sz="2400">
-                <a:solidFill>
-                  <a:schemeClr val="tx1"/>
-                </a:solidFill>
-                <a:latin typeface="Arial" charset="0"/>
-                <a:ea typeface="ＭＳ Ｐゴシック" charset="0"/>
-                <a:cs typeface="ＭＳ Ｐゴシック" charset="0"/>
-              </a:defRPr>
-            </a:lvl1pPr>
-            <a:lvl2pPr marL="742950" indent="-285750" defTabSz="903288">
-              <a:defRPr sz="2400">
-                <a:solidFill>
-                  <a:schemeClr val="tx1"/>
-                </a:solidFill>
-                <a:latin typeface="Arial" charset="0"/>
-                <a:ea typeface="ＭＳ Ｐゴシック" charset="0"/>
-              </a:defRPr>
-            </a:lvl2pPr>
-            <a:lvl3pPr marL="1143000" indent="-228600" defTabSz="903288">
-              <a:defRPr sz="2400">
-                <a:solidFill>
-                  <a:schemeClr val="tx1"/>
-                </a:solidFill>
-                <a:latin typeface="Arial" charset="0"/>
-                <a:ea typeface="ＭＳ Ｐゴシック" charset="0"/>
-              </a:defRPr>
-            </a:lvl3pPr>
-            <a:lvl4pPr marL="1600200" indent="-228600" defTabSz="903288">
-              <a:defRPr sz="2400">
-                <a:solidFill>
-                  <a:schemeClr val="tx1"/>
-                </a:solidFill>
-                <a:latin typeface="Arial" charset="0"/>
-                <a:ea typeface="ＭＳ Ｐゴシック" charset="0"/>
-              </a:defRPr>
-            </a:lvl4pPr>
-            <a:lvl5pPr marL="2057400" indent="-228600" defTabSz="903288">
-              <a:defRPr sz="2400">
-                <a:solidFill>
-                  <a:schemeClr val="tx1"/>
-                </a:solidFill>
-                <a:latin typeface="Arial" charset="0"/>
-                <a:ea typeface="ＭＳ Ｐゴシック" charset="0"/>
-              </a:defRPr>
-            </a:lvl5pPr>
-            <a:lvl6pPr marL="2514600" indent="-228600" algn="ctr" defTabSz="903288" eaLnBrk="0" fontAlgn="base" hangingPunct="0">
-              <a:lnSpc>
-                <a:spcPct val="90000"/>
-              </a:lnSpc>
-              <a:spcBef>
-                <a:spcPct val="0"/>
-              </a:spcBef>
-              <a:spcAft>
-                <a:spcPct val="0"/>
-              </a:spcAft>
-              <a:defRPr sz="2400">
-                <a:solidFill>
-                  <a:schemeClr val="tx1"/>
-                </a:solidFill>
-                <a:latin typeface="Arial" charset="0"/>
-                <a:ea typeface="ＭＳ Ｐゴシック" charset="0"/>
-              </a:defRPr>
-            </a:lvl6pPr>
-            <a:lvl7pPr marL="2971800" indent="-228600" algn="ctr" defTabSz="903288" eaLnBrk="0" fontAlgn="base" hangingPunct="0">
-              <a:lnSpc>
-                <a:spcPct val="90000"/>
-              </a:lnSpc>
-              <a:spcBef>
-                <a:spcPct val="0"/>
-              </a:spcBef>
-              <a:spcAft>
-                <a:spcPct val="0"/>
-              </a:spcAft>
-              <a:defRPr sz="2400">
-                <a:solidFill>
-                  <a:schemeClr val="tx1"/>
-                </a:solidFill>
-                <a:latin typeface="Arial" charset="0"/>
-                <a:ea typeface="ＭＳ Ｐゴシック" charset="0"/>
-              </a:defRPr>
-            </a:lvl7pPr>
-            <a:lvl8pPr marL="3429000" indent="-228600" algn="ctr" defTabSz="903288" eaLnBrk="0" fontAlgn="base" hangingPunct="0">
-              <a:lnSpc>
-                <a:spcPct val="90000"/>
-              </a:lnSpc>
-              <a:spcBef>
-                <a:spcPct val="0"/>
-              </a:spcBef>
-              <a:spcAft>
-                <a:spcPct val="0"/>
-              </a:spcAft>
-              <a:defRPr sz="2400">
-                <a:solidFill>
-                  <a:schemeClr val="tx1"/>
-                </a:solidFill>
-                <a:latin typeface="Arial" charset="0"/>
-                <a:ea typeface="ＭＳ Ｐゴシック" charset="0"/>
-              </a:defRPr>
-            </a:lvl8pPr>
-            <a:lvl9pPr marL="3886200" indent="-228600" algn="ctr" defTabSz="903288" eaLnBrk="0" fontAlgn="base" hangingPunct="0">
-              <a:lnSpc>
-                <a:spcPct val="90000"/>
-              </a:lnSpc>
-              <a:spcBef>
-                <a:spcPct val="0"/>
-              </a:spcBef>
-              <a:spcAft>
-                <a:spcPct val="0"/>
-              </a:spcAft>
-              <a:defRPr sz="2400">
-                <a:solidFill>
-                  <a:schemeClr val="tx1"/>
-                </a:solidFill>
-                <a:latin typeface="Arial" charset="0"/>
-                <a:ea typeface="ＭＳ Ｐゴシック" charset="0"/>
-              </a:defRPr>
-            </a:lvl9pPr>
-          </a:lstStyle>
-          <a:p>
-            <a:fld id="{6C92755B-29FD-8743-9094-C0E3A734D22E}" type="slidenum">
-              <a:rPr lang="en-US" sz="800">
-                <a:solidFill>
-                  <a:prstClr val="black"/>
-                </a:solidFill>
-              </a:rPr>
-              <a:pPr/>
-              <a:t>51</a:t>
             </a:fld>
             <a:endParaRPr lang="en-US" sz="800" dirty="0">
               <a:solidFill>
@@ -6406,7 +6305,7 @@
 </p:notes>
 </file>
 
-<file path=ppt/notesSlides/notesSlide52.xml><?xml version="1.0" encoding="utf-8"?>
+<file path=ppt/notesSlides/notesSlide51.xml><?xml version="1.0" encoding="utf-8"?>
 <p:notes xmlns:a="http://schemas.openxmlformats.org/drawingml/2006/main" xmlns:r="http://schemas.openxmlformats.org/officeDocument/2006/relationships" xmlns:p="http://schemas.openxmlformats.org/presentationml/2006/main">
   <p:cSld>
     <p:spTree>
@@ -6471,7 +6370,7 @@
           <a:p>
             <a:fld id="{5641018C-6CAF-B84E-B92C-ECB119457FBA}" type="slidenum">
               <a:rPr lang="en-US" smtClean="0"/>
-              <a:t>52</a:t>
+              <a:t>51</a:t>
             </a:fld>
             <a:endParaRPr lang="en-US" dirty="0"/>
           </a:p>
@@ -29326,7 +29225,7 @@
                   </a:schemeClr>
                 </a:solidFill>
               </a:rPr>
-              <a:t>Module 12: WLAN Concepts</a:t>
+              <a:t>WLAN Concepts</a:t>
             </a:r>
           </a:p>
         </p:txBody>
@@ -29451,7 +29350,7 @@
                   </a:schemeClr>
                 </a:solidFill>
               </a:rPr>
-              <a:t>12.2 WLAN Components</a:t>
+              <a:t>WLAN Components</a:t>
             </a:r>
           </a:p>
         </p:txBody>
@@ -30977,7 +30876,7 @@
                   </a:schemeClr>
                 </a:solidFill>
               </a:rPr>
-              <a:t>12.3 WLAN Operation</a:t>
+              <a:t>WLAN Operation</a:t>
             </a:r>
           </a:p>
         </p:txBody>
@@ -33719,7 +33618,7 @@
                   </a:schemeClr>
                 </a:solidFill>
               </a:rPr>
-              <a:t>12.4 CAPWAP Operation</a:t>
+              <a:t>CAPWAP Operation</a:t>
             </a:r>
           </a:p>
         </p:txBody>
@@ -34838,7 +34737,7 @@
                   </a:schemeClr>
                 </a:solidFill>
               </a:rPr>
-              <a:t>12.5 Channel Management</a:t>
+              <a:t>Channel Management</a:t>
             </a:r>
           </a:p>
         </p:txBody>
@@ -34908,7 +34807,7 @@
                   </a:schemeClr>
                 </a:solidFill>
               </a:rPr>
-              <a:t>12.1 Introduction to Wireless</a:t>
+              <a:t>Introduction to Wireless</a:t>
             </a:r>
           </a:p>
         </p:txBody>
@@ -36311,7 +36210,7 @@
                   </a:schemeClr>
                 </a:solidFill>
               </a:rPr>
-              <a:t>12.6 WLAN Threats</a:t>
+              <a:t>WLAN Threats</a:t>
             </a:r>
           </a:p>
         </p:txBody>
@@ -38061,7 +37960,7 @@
                   </a:schemeClr>
                 </a:solidFill>
               </a:rPr>
-              <a:t>12.7 Secure WLANs</a:t>
+              <a:t>Secure WLANs</a:t>
             </a:r>
           </a:p>
         </p:txBody>
@@ -40610,35 +40509,250 @@
       </p:grpSpPr>
       <p:sp>
         <p:nvSpPr>
-          <p:cNvPr id="2" name="Title 1"/>
+          <p:cNvPr id="21505" name="Rectangle 2"/>
+          <p:cNvSpPr>
+            <a:spLocks noGrp="1" noChangeArrowheads="1"/>
+          </p:cNvSpPr>
+          <p:nvPr>
+            <p:ph type="title"/>
+          </p:nvPr>
+        </p:nvSpPr>
+        <p:spPr/>
+        <p:txBody>
+          <a:bodyPr/>
+          <a:lstStyle/>
+          <a:p>
+            <a:r>
+              <a:rPr lang="en-US" sz="1400" dirty="0">
+                <a:latin typeface="Arial" charset="0"/>
+              </a:rPr>
+              <a:t>Module Practice and Quiz</a:t>
+            </a:r>
+            <a:br>
+              <a:rPr lang="en-US" dirty="0">
+                <a:latin typeface="Arial" charset="0"/>
+              </a:rPr>
+            </a:br>
+            <a:r>
+              <a:rPr lang="en-US" dirty="0">
+                <a:latin typeface="Arial" charset="0"/>
+              </a:rPr>
+              <a:t>What did I learn in this module?</a:t>
+            </a:r>
+          </a:p>
+        </p:txBody>
+      </p:sp>
+      <p:sp>
+        <p:nvSpPr>
+          <p:cNvPr id="2" name="Content Placeholder 1">
+            <a:extLst>
+              <a:ext uri="{FF2B5EF4-FFF2-40B4-BE49-F238E27FC236}">
+                <a16:creationId xmlns:a16="http://schemas.microsoft.com/office/drawing/2014/main" id="{BAC22E0C-A8B9-7D4B-BC8E-95F5947642E5}"/>
+              </a:ext>
+            </a:extLst>
+          </p:cNvPr>
           <p:cNvSpPr>
             <a:spLocks noGrp="1"/>
           </p:cNvSpPr>
           <p:nvPr>
-            <p:ph type="ctrTitle"/>
+            <p:ph idx="1"/>
           </p:nvPr>
         </p:nvSpPr>
         <p:spPr>
           <a:xfrm>
-            <a:off x="416425" y="1747520"/>
-            <a:ext cx="8280314" cy="970280"/>
+            <a:off x="144065" y="798945"/>
+            <a:ext cx="8853286" cy="3874656"/>
           </a:xfrm>
         </p:spPr>
         <p:txBody>
           <a:bodyPr/>
           <a:lstStyle/>
           <a:p>
-            <a:r>
-              <a:rPr lang="en-US" dirty="0">
-                <a:solidFill>
-                  <a:schemeClr val="accent5">
-                    <a:lumMod val="40000"/>
-                    <a:lumOff val="60000"/>
-                  </a:schemeClr>
-                </a:solidFill>
-              </a:rPr>
-              <a:t>12.8 Module Practice and Quiz</a:t>
-            </a:r>
+            <a:pPr marL="115887" indent="-285750">
+              <a:spcBef>
+                <a:spcPts val="0"/>
+              </a:spcBef>
+              <a:spcAft>
+                <a:spcPts val="0"/>
+              </a:spcAft>
+              <a:buFont typeface="Arial" panose="020B0604020202020204" pitchFamily="34" charset="0"/>
+              <a:buChar char="•"/>
+            </a:pPr>
+            <a:r>
+              <a:rPr lang="en-US" sz="1400" dirty="0"/>
+              <a:t>A Wireless LANs (WLANs) are based on IEEE standards and can be classified into four main types: WPAN, WLAN, WMAN, and WWAN.</a:t>
+            </a:r>
+          </a:p>
+          <a:p>
+            <a:pPr marL="115887" indent="-285750">
+              <a:spcBef>
+                <a:spcPts val="0"/>
+              </a:spcBef>
+              <a:spcAft>
+                <a:spcPts val="0"/>
+              </a:spcAft>
+              <a:buFont typeface="Arial" panose="020B0604020202020204" pitchFamily="34" charset="0"/>
+              <a:buChar char="•"/>
+            </a:pPr>
+            <a:r>
+              <a:rPr lang="en-US" sz="1400" dirty="0"/>
+              <a:t>Wireless technology uses the unlicensed radio spectrum to send and receive data. Examples of this technology are Bluetooth, WiMAX, Cellular Broadband, and Satellite Broadband.</a:t>
+            </a:r>
+          </a:p>
+          <a:p>
+            <a:pPr marL="115887" indent="-285750">
+              <a:spcBef>
+                <a:spcPts val="0"/>
+              </a:spcBef>
+              <a:spcAft>
+                <a:spcPts val="0"/>
+              </a:spcAft>
+              <a:buFont typeface="Arial" panose="020B0604020202020204" pitchFamily="34" charset="0"/>
+              <a:buChar char="•"/>
+            </a:pPr>
+            <a:r>
+              <a:rPr lang="en-US" sz="1400" dirty="0"/>
+              <a:t>WLAN networks operate in the 2.4 GHz frequency band and the 5 GHz band. </a:t>
+            </a:r>
+          </a:p>
+          <a:p>
+            <a:pPr marL="115887" indent="-285750">
+              <a:spcBef>
+                <a:spcPts val="0"/>
+              </a:spcBef>
+              <a:spcAft>
+                <a:spcPts val="0"/>
+              </a:spcAft>
+              <a:buFont typeface="Arial" panose="020B0604020202020204" pitchFamily="34" charset="0"/>
+              <a:buChar char="•"/>
+            </a:pPr>
+            <a:r>
+              <a:rPr lang="en-US" sz="1400" dirty="0"/>
+              <a:t>The three organizations influencing WLAN standards are the ITU-R, the IEEE, and the Wi-Fi Alliance.</a:t>
+            </a:r>
+          </a:p>
+          <a:p>
+            <a:pPr marL="115887" indent="-285750">
+              <a:spcBef>
+                <a:spcPts val="0"/>
+              </a:spcBef>
+              <a:spcAft>
+                <a:spcPts val="0"/>
+              </a:spcAft>
+              <a:buFont typeface="Arial" panose="020B0604020202020204" pitchFamily="34" charset="0"/>
+              <a:buChar char="•"/>
+            </a:pPr>
+            <a:r>
+              <a:rPr lang="en-US" sz="1400" dirty="0"/>
+              <a:t>CAPWAP is an IEEE standard protocol that enables a WLC to manage multiple APs and WLANs.</a:t>
+            </a:r>
+          </a:p>
+          <a:p>
+            <a:pPr marL="115887" indent="-285750">
+              <a:spcBef>
+                <a:spcPts val="0"/>
+              </a:spcBef>
+              <a:spcAft>
+                <a:spcPts val="0"/>
+              </a:spcAft>
+              <a:buFont typeface="Arial" panose="020B0604020202020204" pitchFamily="34" charset="0"/>
+              <a:buChar char="•"/>
+            </a:pPr>
+            <a:r>
+              <a:rPr lang="en-US" sz="1400" dirty="0"/>
+              <a:t>DTLS is a protocol provides security between the AP and the WLC. </a:t>
+            </a:r>
+          </a:p>
+          <a:p>
+            <a:pPr marL="115887" indent="-285750">
+              <a:spcBef>
+                <a:spcPts val="0"/>
+              </a:spcBef>
+              <a:spcAft>
+                <a:spcPts val="0"/>
+              </a:spcAft>
+              <a:buFont typeface="Arial" panose="020B0604020202020204" pitchFamily="34" charset="0"/>
+              <a:buChar char="•"/>
+            </a:pPr>
+            <a:r>
+              <a:rPr lang="en-US" sz="1400" dirty="0"/>
+              <a:t>Wireless LAN devices have transmitters and receivers tuned to specific frequencies of radio waves to communicate. Ranges are then split into smaller ranges called channels: DSSS, FHSS, and OFDM. </a:t>
+            </a:r>
+          </a:p>
+          <a:p>
+            <a:pPr marL="115887" indent="-285750">
+              <a:spcBef>
+                <a:spcPts val="0"/>
+              </a:spcBef>
+              <a:spcAft>
+                <a:spcPts val="0"/>
+              </a:spcAft>
+              <a:buFont typeface="Arial" panose="020B0604020202020204" pitchFamily="34" charset="0"/>
+              <a:buChar char="•"/>
+            </a:pPr>
+            <a:r>
+              <a:rPr lang="en-US" sz="1400" dirty="0"/>
+              <a:t>The 802.11b/g/n standards operate in the 2.4 GHz to 2.5GHz spectrum. The 2.4 GHz band is subdivided into multiple channels. Each channel is allotted 22 MHz bandwidth and is separated from the next channel by 5 MHz.</a:t>
+            </a:r>
+          </a:p>
+          <a:p>
+            <a:pPr marL="115887" indent="-285750">
+              <a:spcBef>
+                <a:spcPts val="0"/>
+              </a:spcBef>
+              <a:spcAft>
+                <a:spcPts val="0"/>
+              </a:spcAft>
+              <a:buFont typeface="Arial" panose="020B0604020202020204" pitchFamily="34" charset="0"/>
+              <a:buChar char="•"/>
+            </a:pPr>
+            <a:r>
+              <a:rPr lang="en-US" sz="1400" dirty="0"/>
+              <a:t>Wireless networks are susceptible to threats, including: data interception, wireless intruders, DoS attacks, and rogue APs. </a:t>
+            </a:r>
+          </a:p>
+          <a:p>
+            <a:pPr marL="115887" indent="-285750">
+              <a:spcBef>
+                <a:spcPts val="0"/>
+              </a:spcBef>
+              <a:spcAft>
+                <a:spcPts val="0"/>
+              </a:spcAft>
+              <a:buFont typeface="Arial" panose="020B0604020202020204" pitchFamily="34" charset="0"/>
+              <a:buChar char="•"/>
+            </a:pPr>
+            <a:r>
+              <a:rPr lang="en-US" sz="1400" dirty="0"/>
+              <a:t>To keep wireless intruders out and protect data, two early security features are still available on most routers and APs: SSID cloaking and MAC address filtering. </a:t>
+            </a:r>
+          </a:p>
+          <a:p>
+            <a:pPr marL="115887" indent="-285750">
+              <a:spcBef>
+                <a:spcPts val="0"/>
+              </a:spcBef>
+              <a:spcAft>
+                <a:spcPts val="0"/>
+              </a:spcAft>
+              <a:buFont typeface="Arial" panose="020B0604020202020204" pitchFamily="34" charset="0"/>
+              <a:buChar char="•"/>
+            </a:pPr>
+            <a:r>
+              <a:rPr lang="en-US" sz="1400" dirty="0"/>
+              <a:t>There are four shared key authentication techniques available: WEP, WPA, WPA2, and WPA3.</a:t>
+            </a:r>
+          </a:p>
+          <a:p>
+            <a:pPr marL="0">
+              <a:spcBef>
+                <a:spcPts val="0"/>
+              </a:spcBef>
+              <a:spcAft>
+                <a:spcPts val="0"/>
+              </a:spcAft>
+            </a:pPr>
+            <a:endParaRPr lang="en-US" sz="1400" dirty="0"/>
           </a:p>
         </p:txBody>
       </p:sp>
@@ -40648,7 +40762,7 @@
     </p:custDataLst>
     <p:extLst>
       <p:ext uri="{BB962C8B-B14F-4D97-AF65-F5344CB8AC3E}">
-        <p14:creationId xmlns:p14="http://schemas.microsoft.com/office/powerpoint/2010/main" val="1452704818"/>
+        <p14:creationId xmlns:p14="http://schemas.microsoft.com/office/powerpoint/2010/main" val="2548999575"/>
       </p:ext>
     </p:extLst>
   </p:cSld>
@@ -41086,291 +41200,6 @@
 </file>
 
 <file path=ppt/slides/slide50.xml><?xml version="1.0" encoding="utf-8"?>
-<p:sld xmlns:a="http://schemas.openxmlformats.org/drawingml/2006/main" xmlns:r="http://schemas.openxmlformats.org/officeDocument/2006/relationships" xmlns:p="http://schemas.openxmlformats.org/presentationml/2006/main">
-  <p:cSld>
-    <p:spTree>
-      <p:nvGrpSpPr>
-        <p:cNvPr id="1" name=""/>
-        <p:cNvGrpSpPr/>
-        <p:nvPr/>
-      </p:nvGrpSpPr>
-      <p:grpSpPr>
-        <a:xfrm>
-          <a:off x="0" y="0"/>
-          <a:ext cx="0" cy="0"/>
-          <a:chOff x="0" y="0"/>
-          <a:chExt cx="0" cy="0"/>
-        </a:xfrm>
-      </p:grpSpPr>
-      <p:sp>
-        <p:nvSpPr>
-          <p:cNvPr id="21505" name="Rectangle 2"/>
-          <p:cNvSpPr>
-            <a:spLocks noGrp="1" noChangeArrowheads="1"/>
-          </p:cNvSpPr>
-          <p:nvPr>
-            <p:ph type="title"/>
-          </p:nvPr>
-        </p:nvSpPr>
-        <p:spPr/>
-        <p:txBody>
-          <a:bodyPr/>
-          <a:lstStyle/>
-          <a:p>
-            <a:r>
-              <a:rPr lang="en-US" sz="1400" dirty="0">
-                <a:latin typeface="Arial" charset="0"/>
-              </a:rPr>
-              <a:t>Module Practice and Quiz</a:t>
-            </a:r>
-            <a:br>
-              <a:rPr lang="en-US" dirty="0">
-                <a:latin typeface="Arial" charset="0"/>
-              </a:rPr>
-            </a:br>
-            <a:r>
-              <a:rPr lang="en-US" dirty="0">
-                <a:latin typeface="Arial" charset="0"/>
-              </a:rPr>
-              <a:t>What did I learn in this module?</a:t>
-            </a:r>
-          </a:p>
-        </p:txBody>
-      </p:sp>
-      <p:sp>
-        <p:nvSpPr>
-          <p:cNvPr id="2" name="Content Placeholder 1">
-            <a:extLst>
-              <a:ext uri="{FF2B5EF4-FFF2-40B4-BE49-F238E27FC236}">
-                <a16:creationId xmlns:a16="http://schemas.microsoft.com/office/drawing/2014/main" id="{BAC22E0C-A8B9-7D4B-BC8E-95F5947642E5}"/>
-              </a:ext>
-            </a:extLst>
-          </p:cNvPr>
-          <p:cNvSpPr>
-            <a:spLocks noGrp="1"/>
-          </p:cNvSpPr>
-          <p:nvPr>
-            <p:ph idx="1"/>
-          </p:nvPr>
-        </p:nvSpPr>
-        <p:spPr>
-          <a:xfrm>
-            <a:off x="144065" y="798945"/>
-            <a:ext cx="8853286" cy="3874656"/>
-          </a:xfrm>
-        </p:spPr>
-        <p:txBody>
-          <a:bodyPr/>
-          <a:lstStyle/>
-          <a:p>
-            <a:pPr marL="115887" indent="-285750">
-              <a:spcBef>
-                <a:spcPts val="0"/>
-              </a:spcBef>
-              <a:spcAft>
-                <a:spcPts val="0"/>
-              </a:spcAft>
-              <a:buFont typeface="Arial" panose="020B0604020202020204" pitchFamily="34" charset="0"/>
-              <a:buChar char="•"/>
-            </a:pPr>
-            <a:r>
-              <a:rPr lang="en-US" sz="1400" dirty="0"/>
-              <a:t>A Wireless LANs (WLANs) are based on IEEE standards and can be classified into four main types: WPAN, WLAN, WMAN, and WWAN.</a:t>
-            </a:r>
-          </a:p>
-          <a:p>
-            <a:pPr marL="115887" indent="-285750">
-              <a:spcBef>
-                <a:spcPts val="0"/>
-              </a:spcBef>
-              <a:spcAft>
-                <a:spcPts val="0"/>
-              </a:spcAft>
-              <a:buFont typeface="Arial" panose="020B0604020202020204" pitchFamily="34" charset="0"/>
-              <a:buChar char="•"/>
-            </a:pPr>
-            <a:r>
-              <a:rPr lang="en-US" sz="1400" dirty="0"/>
-              <a:t>Wireless technology uses the unlicensed radio spectrum to send and receive data. Examples of this technology are Bluetooth, WiMAX, Cellular Broadband, and Satellite Broadband.</a:t>
-            </a:r>
-          </a:p>
-          <a:p>
-            <a:pPr marL="115887" indent="-285750">
-              <a:spcBef>
-                <a:spcPts val="0"/>
-              </a:spcBef>
-              <a:spcAft>
-                <a:spcPts val="0"/>
-              </a:spcAft>
-              <a:buFont typeface="Arial" panose="020B0604020202020204" pitchFamily="34" charset="0"/>
-              <a:buChar char="•"/>
-            </a:pPr>
-            <a:r>
-              <a:rPr lang="en-US" sz="1400" dirty="0"/>
-              <a:t>WLAN networks operate in the 2.4 GHz frequency band and the 5 GHz band. </a:t>
-            </a:r>
-          </a:p>
-          <a:p>
-            <a:pPr marL="115887" indent="-285750">
-              <a:spcBef>
-                <a:spcPts val="0"/>
-              </a:spcBef>
-              <a:spcAft>
-                <a:spcPts val="0"/>
-              </a:spcAft>
-              <a:buFont typeface="Arial" panose="020B0604020202020204" pitchFamily="34" charset="0"/>
-              <a:buChar char="•"/>
-            </a:pPr>
-            <a:r>
-              <a:rPr lang="en-US" sz="1400" dirty="0"/>
-              <a:t>The three organizations influencing WLAN standards are the ITU-R, the IEEE, and the Wi-Fi Alliance.</a:t>
-            </a:r>
-          </a:p>
-          <a:p>
-            <a:pPr marL="115887" indent="-285750">
-              <a:spcBef>
-                <a:spcPts val="0"/>
-              </a:spcBef>
-              <a:spcAft>
-                <a:spcPts val="0"/>
-              </a:spcAft>
-              <a:buFont typeface="Arial" panose="020B0604020202020204" pitchFamily="34" charset="0"/>
-              <a:buChar char="•"/>
-            </a:pPr>
-            <a:r>
-              <a:rPr lang="en-US" sz="1400" dirty="0"/>
-              <a:t>CAPWAP is an IEEE standard protocol that enables a WLC to manage multiple APs and WLANs.</a:t>
-            </a:r>
-          </a:p>
-          <a:p>
-            <a:pPr marL="115887" indent="-285750">
-              <a:spcBef>
-                <a:spcPts val="0"/>
-              </a:spcBef>
-              <a:spcAft>
-                <a:spcPts val="0"/>
-              </a:spcAft>
-              <a:buFont typeface="Arial" panose="020B0604020202020204" pitchFamily="34" charset="0"/>
-              <a:buChar char="•"/>
-            </a:pPr>
-            <a:r>
-              <a:rPr lang="en-US" sz="1400" dirty="0"/>
-              <a:t>DTLS is a protocol provides security between the AP and the WLC. </a:t>
-            </a:r>
-          </a:p>
-          <a:p>
-            <a:pPr marL="115887" indent="-285750">
-              <a:spcBef>
-                <a:spcPts val="0"/>
-              </a:spcBef>
-              <a:spcAft>
-                <a:spcPts val="0"/>
-              </a:spcAft>
-              <a:buFont typeface="Arial" panose="020B0604020202020204" pitchFamily="34" charset="0"/>
-              <a:buChar char="•"/>
-            </a:pPr>
-            <a:r>
-              <a:rPr lang="en-US" sz="1400" dirty="0"/>
-              <a:t>Wireless LAN devices have transmitters and receivers tuned to specific frequencies of radio waves to communicate. Ranges are then split into smaller ranges called channels: DSSS, FHSS, and OFDM. </a:t>
-            </a:r>
-          </a:p>
-          <a:p>
-            <a:pPr marL="115887" indent="-285750">
-              <a:spcBef>
-                <a:spcPts val="0"/>
-              </a:spcBef>
-              <a:spcAft>
-                <a:spcPts val="0"/>
-              </a:spcAft>
-              <a:buFont typeface="Arial" panose="020B0604020202020204" pitchFamily="34" charset="0"/>
-              <a:buChar char="•"/>
-            </a:pPr>
-            <a:r>
-              <a:rPr lang="en-US" sz="1400" dirty="0"/>
-              <a:t>The 802.11b/g/n standards operate in the 2.4 GHz to 2.5GHz spectrum. The 2.4 GHz band is subdivided into multiple channels. Each channel is allotted 22 MHz bandwidth and is separated from the next channel by 5 MHz.</a:t>
-            </a:r>
-          </a:p>
-          <a:p>
-            <a:pPr marL="115887" indent="-285750">
-              <a:spcBef>
-                <a:spcPts val="0"/>
-              </a:spcBef>
-              <a:spcAft>
-                <a:spcPts val="0"/>
-              </a:spcAft>
-              <a:buFont typeface="Arial" panose="020B0604020202020204" pitchFamily="34" charset="0"/>
-              <a:buChar char="•"/>
-            </a:pPr>
-            <a:r>
-              <a:rPr lang="en-US" sz="1400" dirty="0"/>
-              <a:t>Wireless networks are susceptible to threats, including: data interception, wireless intruders, DoS attacks, and rogue APs. </a:t>
-            </a:r>
-          </a:p>
-          <a:p>
-            <a:pPr marL="115887" indent="-285750">
-              <a:spcBef>
-                <a:spcPts val="0"/>
-              </a:spcBef>
-              <a:spcAft>
-                <a:spcPts val="0"/>
-              </a:spcAft>
-              <a:buFont typeface="Arial" panose="020B0604020202020204" pitchFamily="34" charset="0"/>
-              <a:buChar char="•"/>
-            </a:pPr>
-            <a:r>
-              <a:rPr lang="en-US" sz="1400" dirty="0"/>
-              <a:t>To keep wireless intruders out and protect data, two early security features are still available on most routers and APs: SSID cloaking and MAC address filtering. </a:t>
-            </a:r>
-          </a:p>
-          <a:p>
-            <a:pPr marL="115887" indent="-285750">
-              <a:spcBef>
-                <a:spcPts val="0"/>
-              </a:spcBef>
-              <a:spcAft>
-                <a:spcPts val="0"/>
-              </a:spcAft>
-              <a:buFont typeface="Arial" panose="020B0604020202020204" pitchFamily="34" charset="0"/>
-              <a:buChar char="•"/>
-            </a:pPr>
-            <a:r>
-              <a:rPr lang="en-US" sz="1400" dirty="0"/>
-              <a:t>There are four shared key authentication techniques available: WEP, WPA, WPA2, and WPA3.</a:t>
-            </a:r>
-          </a:p>
-          <a:p>
-            <a:pPr marL="0">
-              <a:spcBef>
-                <a:spcPts val="0"/>
-              </a:spcBef>
-              <a:spcAft>
-                <a:spcPts val="0"/>
-              </a:spcAft>
-            </a:pPr>
-            <a:endParaRPr lang="en-US" sz="1400" dirty="0"/>
-          </a:p>
-        </p:txBody>
-      </p:sp>
-    </p:spTree>
-    <p:custDataLst>
-      <p:tags r:id="rId1"/>
-    </p:custDataLst>
-    <p:extLst>
-      <p:ext uri="{BB962C8B-B14F-4D97-AF65-F5344CB8AC3E}">
-        <p14:creationId xmlns:p14="http://schemas.microsoft.com/office/powerpoint/2010/main" val="2548999575"/>
-      </p:ext>
-    </p:extLst>
-  </p:cSld>
-  <p:clrMapOvr>
-    <a:masterClrMapping/>
-  </p:clrMapOvr>
-  <p:transition spd="slow">
-    <p:wipe/>
-  </p:transition>
-</p:sld>
-</file>
-
-<file path=ppt/slides/slide51.xml><?xml version="1.0" encoding="utf-8"?>
 <p:sld xmlns:a="http://schemas.openxmlformats.org/drawingml/2006/main" xmlns:r="http://schemas.openxmlformats.org/officeDocument/2006/relationships" xmlns:p="http://schemas.openxmlformats.org/presentationml/2006/main" show="0">
   <p:cSld>
     <p:spTree>
@@ -42381,7 +42210,7 @@
 </p:sld>
 </file>
 
-<file path=ppt/slides/slide52.xml><?xml version="1.0" encoding="utf-8"?>
+<file path=ppt/slides/slide51.xml><?xml version="1.0" encoding="utf-8"?>
 <p:sld xmlns:a="http://schemas.openxmlformats.org/drawingml/2006/main" xmlns:r="http://schemas.openxmlformats.org/officeDocument/2006/relationships" xmlns:p="http://schemas.openxmlformats.org/presentationml/2006/main">
   <p:cSld>
     <p:spTree>
@@ -44123,12 +43952,6 @@
 </p:tagLst>
 </file>
 
-<file path=ppt/tags/tag14.xml><?xml version="1.0" encoding="utf-8"?>
-<p:tagLst xmlns:a="http://schemas.openxmlformats.org/drawingml/2006/main" xmlns:r="http://schemas.openxmlformats.org/officeDocument/2006/relationships" xmlns:p="http://schemas.openxmlformats.org/presentationml/2006/main">
-  <p:tag name="ARTICULATE_SLIDE_THUMBNAIL_REFRESH" val="1"/>
-</p:tagLst>
-</file>
-
 <file path=ppt/tags/tag2.xml><?xml version="1.0" encoding="utf-8"?>
 <p:tagLst xmlns:a="http://schemas.openxmlformats.org/drawingml/2006/main" xmlns:r="http://schemas.openxmlformats.org/officeDocument/2006/relationships" xmlns:p="http://schemas.openxmlformats.org/presentationml/2006/main">
   <p:tag name="ARTICULATE_SLIDE_THUMBNAIL_REFRESH" val="1"/>
